--- a/doc/mockups/RaisedEdge.pptx
+++ b/doc/mockups/RaisedEdge.pptx
@@ -6,6 +6,7 @@
   </p:sldMasterIdLst>
   <p:sldIdLst>
     <p:sldId id="257" r:id="rId2"/>
+    <p:sldId id="258" r:id="rId3"/>
   </p:sldIdLst>
   <p:sldSz cx="9144000" cy="6858000" type="screen4x3"/>
   <p:notesSz cx="6858000" cy="9144000"/>
@@ -288,7 +289,7 @@
           <a:p>
             <a:fld id="{5597547E-14A9-404A-A6DE-6F2131EC16C4}" type="datetimeFigureOut">
               <a:rPr lang="en-SG" smtClean="0"/>
-              <a:t>20/3/2013</a:t>
+              <a:t>21/3/2013</a:t>
             </a:fld>
             <a:endParaRPr lang="en-SG"/>
           </a:p>
@@ -458,7 +459,7 @@
           <a:p>
             <a:fld id="{5597547E-14A9-404A-A6DE-6F2131EC16C4}" type="datetimeFigureOut">
               <a:rPr lang="en-SG" smtClean="0"/>
-              <a:t>20/3/2013</a:t>
+              <a:t>21/3/2013</a:t>
             </a:fld>
             <a:endParaRPr lang="en-SG"/>
           </a:p>
@@ -638,7 +639,7 @@
           <a:p>
             <a:fld id="{5597547E-14A9-404A-A6DE-6F2131EC16C4}" type="datetimeFigureOut">
               <a:rPr lang="en-SG" smtClean="0"/>
-              <a:t>20/3/2013</a:t>
+              <a:t>21/3/2013</a:t>
             </a:fld>
             <a:endParaRPr lang="en-SG"/>
           </a:p>
@@ -808,7 +809,7 @@
           <a:p>
             <a:fld id="{5597547E-14A9-404A-A6DE-6F2131EC16C4}" type="datetimeFigureOut">
               <a:rPr lang="en-SG" smtClean="0"/>
-              <a:t>20/3/2013</a:t>
+              <a:t>21/3/2013</a:t>
             </a:fld>
             <a:endParaRPr lang="en-SG"/>
           </a:p>
@@ -1054,7 +1055,7 @@
           <a:p>
             <a:fld id="{5597547E-14A9-404A-A6DE-6F2131EC16C4}" type="datetimeFigureOut">
               <a:rPr lang="en-SG" smtClean="0"/>
-              <a:t>20/3/2013</a:t>
+              <a:t>21/3/2013</a:t>
             </a:fld>
             <a:endParaRPr lang="en-SG"/>
           </a:p>
@@ -1342,7 +1343,7 @@
           <a:p>
             <a:fld id="{5597547E-14A9-404A-A6DE-6F2131EC16C4}" type="datetimeFigureOut">
               <a:rPr lang="en-SG" smtClean="0"/>
-              <a:t>20/3/2013</a:t>
+              <a:t>21/3/2013</a:t>
             </a:fld>
             <a:endParaRPr lang="en-SG"/>
           </a:p>
@@ -1764,7 +1765,7 @@
           <a:p>
             <a:fld id="{5597547E-14A9-404A-A6DE-6F2131EC16C4}" type="datetimeFigureOut">
               <a:rPr lang="en-SG" smtClean="0"/>
-              <a:t>20/3/2013</a:t>
+              <a:t>21/3/2013</a:t>
             </a:fld>
             <a:endParaRPr lang="en-SG"/>
           </a:p>
@@ -1882,7 +1883,7 @@
           <a:p>
             <a:fld id="{5597547E-14A9-404A-A6DE-6F2131EC16C4}" type="datetimeFigureOut">
               <a:rPr lang="en-SG" smtClean="0"/>
-              <a:t>20/3/2013</a:t>
+              <a:t>21/3/2013</a:t>
             </a:fld>
             <a:endParaRPr lang="en-SG"/>
           </a:p>
@@ -1977,7 +1978,7 @@
           <a:p>
             <a:fld id="{5597547E-14A9-404A-A6DE-6F2131EC16C4}" type="datetimeFigureOut">
               <a:rPr lang="en-SG" smtClean="0"/>
-              <a:t>20/3/2013</a:t>
+              <a:t>21/3/2013</a:t>
             </a:fld>
             <a:endParaRPr lang="en-SG"/>
           </a:p>
@@ -2254,7 +2255,7 @@
           <a:p>
             <a:fld id="{5597547E-14A9-404A-A6DE-6F2131EC16C4}" type="datetimeFigureOut">
               <a:rPr lang="en-SG" smtClean="0"/>
-              <a:t>20/3/2013</a:t>
+              <a:t>21/3/2013</a:t>
             </a:fld>
             <a:endParaRPr lang="en-SG"/>
           </a:p>
@@ -2507,7 +2508,7 @@
           <a:p>
             <a:fld id="{5597547E-14A9-404A-A6DE-6F2131EC16C4}" type="datetimeFigureOut">
               <a:rPr lang="en-SG" smtClean="0"/>
-              <a:t>20/3/2013</a:t>
+              <a:t>21/3/2013</a:t>
             </a:fld>
             <a:endParaRPr lang="en-SG"/>
           </a:p>
@@ -2720,7 +2721,7 @@
           <a:p>
             <a:fld id="{5597547E-14A9-404A-A6DE-6F2131EC16C4}" type="datetimeFigureOut">
               <a:rPr lang="en-SG" smtClean="0"/>
-              <a:t>20/3/2013</a:t>
+              <a:t>21/3/2013</a:t>
             </a:fld>
             <a:endParaRPr lang="en-SG"/>
           </a:p>
@@ -3306,6 +3307,611 @@
 </p:sld>
 </file>
 
+<file path=ppt/slides/slide2.xml><?xml version="1.0" encoding="utf-8"?>
+<p:sld xmlns:a="http://schemas.openxmlformats.org/drawingml/2006/main" xmlns:r="http://schemas.openxmlformats.org/officeDocument/2006/relationships" xmlns:p="http://schemas.openxmlformats.org/presentationml/2006/main">
+  <p:cSld>
+    <p:spTree>
+      <p:nvGrpSpPr>
+        <p:cNvPr id="1" name=""/>
+        <p:cNvGrpSpPr/>
+        <p:nvPr/>
+      </p:nvGrpSpPr>
+      <p:grpSpPr>
+        <a:xfrm>
+          <a:off x="0" y="0"/>
+          <a:ext cx="0" cy="0"/>
+          <a:chOff x="0" y="0"/>
+          <a:chExt cx="0" cy="0"/>
+        </a:xfrm>
+      </p:grpSpPr>
+      <p:grpSp>
+        <p:nvGrpSpPr>
+          <p:cNvPr id="3" name="Group 2"/>
+          <p:cNvGrpSpPr/>
+          <p:nvPr/>
+        </p:nvGrpSpPr>
+        <p:grpSpPr>
+          <a:xfrm>
+            <a:off x="238825" y="3986168"/>
+            <a:ext cx="8804366" cy="922505"/>
+            <a:chOff x="238825" y="3986168"/>
+            <a:chExt cx="8804366" cy="922505"/>
+          </a:xfrm>
+        </p:grpSpPr>
+        <p:sp>
+          <p:nvSpPr>
+            <p:cNvPr id="2" name="Freeform 1"/>
+            <p:cNvSpPr/>
+            <p:nvPr/>
+          </p:nvSpPr>
+          <p:spPr>
+            <a:xfrm>
+              <a:off x="238825" y="3986168"/>
+              <a:ext cx="8804366" cy="922505"/>
+            </a:xfrm>
+            <a:custGeom>
+              <a:avLst/>
+              <a:gdLst>
+                <a:gd name="connsiteX0" fmla="*/ 209006 w 8712926"/>
+                <a:gd name="connsiteY0" fmla="*/ 13063 h 836023"/>
+                <a:gd name="connsiteX1" fmla="*/ 0 w 8712926"/>
+                <a:gd name="connsiteY1" fmla="*/ 836023 h 836023"/>
+                <a:gd name="connsiteX2" fmla="*/ 8712926 w 8712926"/>
+                <a:gd name="connsiteY2" fmla="*/ 640080 h 836023"/>
+                <a:gd name="connsiteX3" fmla="*/ 8699863 w 8712926"/>
+                <a:gd name="connsiteY3" fmla="*/ 0 h 836023"/>
+                <a:gd name="connsiteX4" fmla="*/ 209006 w 8712926"/>
+                <a:gd name="connsiteY4" fmla="*/ 13063 h 836023"/>
+                <a:gd name="connsiteX0" fmla="*/ 209006 w 8712926"/>
+                <a:gd name="connsiteY0" fmla="*/ 13063 h 836023"/>
+                <a:gd name="connsiteX1" fmla="*/ 0 w 8712926"/>
+                <a:gd name="connsiteY1" fmla="*/ 836023 h 836023"/>
+                <a:gd name="connsiteX2" fmla="*/ 4206593 w 8712926"/>
+                <a:gd name="connsiteY2" fmla="*/ 747934 h 836023"/>
+                <a:gd name="connsiteX3" fmla="*/ 8712926 w 8712926"/>
+                <a:gd name="connsiteY3" fmla="*/ 640080 h 836023"/>
+                <a:gd name="connsiteX4" fmla="*/ 8699863 w 8712926"/>
+                <a:gd name="connsiteY4" fmla="*/ 0 h 836023"/>
+                <a:gd name="connsiteX5" fmla="*/ 209006 w 8712926"/>
+                <a:gd name="connsiteY5" fmla="*/ 13063 h 836023"/>
+                <a:gd name="connsiteX0" fmla="*/ 209006 w 8712926"/>
+                <a:gd name="connsiteY0" fmla="*/ 13063 h 836023"/>
+                <a:gd name="connsiteX1" fmla="*/ 0 w 8712926"/>
+                <a:gd name="connsiteY1" fmla="*/ 836023 h 836023"/>
+                <a:gd name="connsiteX2" fmla="*/ 4244752 w 8712926"/>
+                <a:gd name="connsiteY2" fmla="*/ 645943 h 836023"/>
+                <a:gd name="connsiteX3" fmla="*/ 8712926 w 8712926"/>
+                <a:gd name="connsiteY3" fmla="*/ 640080 h 836023"/>
+                <a:gd name="connsiteX4" fmla="*/ 8699863 w 8712926"/>
+                <a:gd name="connsiteY4" fmla="*/ 0 h 836023"/>
+                <a:gd name="connsiteX5" fmla="*/ 209006 w 8712926"/>
+                <a:gd name="connsiteY5" fmla="*/ 13063 h 836023"/>
+                <a:gd name="connsiteX0" fmla="*/ 209006 w 8712926"/>
+                <a:gd name="connsiteY0" fmla="*/ 13063 h 860837"/>
+                <a:gd name="connsiteX1" fmla="*/ 0 w 8712926"/>
+                <a:gd name="connsiteY1" fmla="*/ 836023 h 860837"/>
+                <a:gd name="connsiteX2" fmla="*/ 4244752 w 8712926"/>
+                <a:gd name="connsiteY2" fmla="*/ 645943 h 860837"/>
+                <a:gd name="connsiteX3" fmla="*/ 8712926 w 8712926"/>
+                <a:gd name="connsiteY3" fmla="*/ 640080 h 860837"/>
+                <a:gd name="connsiteX4" fmla="*/ 8699863 w 8712926"/>
+                <a:gd name="connsiteY4" fmla="*/ 0 h 860837"/>
+                <a:gd name="connsiteX5" fmla="*/ 209006 w 8712926"/>
+                <a:gd name="connsiteY5" fmla="*/ 13063 h 860837"/>
+                <a:gd name="connsiteX0" fmla="*/ 209006 w 8712926"/>
+                <a:gd name="connsiteY0" fmla="*/ 13063 h 859369"/>
+                <a:gd name="connsiteX1" fmla="*/ 0 w 8712926"/>
+                <a:gd name="connsiteY1" fmla="*/ 836023 h 859369"/>
+                <a:gd name="connsiteX2" fmla="*/ 4244752 w 8712926"/>
+                <a:gd name="connsiteY2" fmla="*/ 645943 h 859369"/>
+                <a:gd name="connsiteX3" fmla="*/ 8712926 w 8712926"/>
+                <a:gd name="connsiteY3" fmla="*/ 640080 h 859369"/>
+                <a:gd name="connsiteX4" fmla="*/ 8699863 w 8712926"/>
+                <a:gd name="connsiteY4" fmla="*/ 0 h 859369"/>
+                <a:gd name="connsiteX5" fmla="*/ 209006 w 8712926"/>
+                <a:gd name="connsiteY5" fmla="*/ 13063 h 859369"/>
+                <a:gd name="connsiteX0" fmla="*/ 209006 w 8712926"/>
+                <a:gd name="connsiteY0" fmla="*/ 13063 h 864811"/>
+                <a:gd name="connsiteX1" fmla="*/ 0 w 8712926"/>
+                <a:gd name="connsiteY1" fmla="*/ 836023 h 864811"/>
+                <a:gd name="connsiteX2" fmla="*/ 4257472 w 8712926"/>
+                <a:gd name="connsiteY2" fmla="*/ 713937 h 864811"/>
+                <a:gd name="connsiteX3" fmla="*/ 8712926 w 8712926"/>
+                <a:gd name="connsiteY3" fmla="*/ 640080 h 864811"/>
+                <a:gd name="connsiteX4" fmla="*/ 8699863 w 8712926"/>
+                <a:gd name="connsiteY4" fmla="*/ 0 h 864811"/>
+                <a:gd name="connsiteX5" fmla="*/ 209006 w 8712926"/>
+                <a:gd name="connsiteY5" fmla="*/ 13063 h 864811"/>
+                <a:gd name="connsiteX0" fmla="*/ 209006 w 8712926"/>
+                <a:gd name="connsiteY0" fmla="*/ 13063 h 836023"/>
+                <a:gd name="connsiteX1" fmla="*/ 0 w 8712926"/>
+                <a:gd name="connsiteY1" fmla="*/ 836023 h 836023"/>
+                <a:gd name="connsiteX2" fmla="*/ 4257472 w 8712926"/>
+                <a:gd name="connsiteY2" fmla="*/ 713937 h 836023"/>
+                <a:gd name="connsiteX3" fmla="*/ 8712926 w 8712926"/>
+                <a:gd name="connsiteY3" fmla="*/ 640080 h 836023"/>
+                <a:gd name="connsiteX4" fmla="*/ 8699863 w 8712926"/>
+                <a:gd name="connsiteY4" fmla="*/ 0 h 836023"/>
+                <a:gd name="connsiteX5" fmla="*/ 209006 w 8712926"/>
+                <a:gd name="connsiteY5" fmla="*/ 13063 h 836023"/>
+                <a:gd name="connsiteX0" fmla="*/ 132689 w 8636609"/>
+                <a:gd name="connsiteY0" fmla="*/ 13063 h 824691"/>
+                <a:gd name="connsiteX1" fmla="*/ 0 w 8636609"/>
+                <a:gd name="connsiteY1" fmla="*/ 824691 h 824691"/>
+                <a:gd name="connsiteX2" fmla="*/ 4181155 w 8636609"/>
+                <a:gd name="connsiteY2" fmla="*/ 713937 h 824691"/>
+                <a:gd name="connsiteX3" fmla="*/ 8636609 w 8636609"/>
+                <a:gd name="connsiteY3" fmla="*/ 640080 h 824691"/>
+                <a:gd name="connsiteX4" fmla="*/ 8623546 w 8636609"/>
+                <a:gd name="connsiteY4" fmla="*/ 0 h 824691"/>
+                <a:gd name="connsiteX5" fmla="*/ 132689 w 8636609"/>
+                <a:gd name="connsiteY5" fmla="*/ 13063 h 824691"/>
+                <a:gd name="connsiteX0" fmla="*/ 132689 w 8636609"/>
+                <a:gd name="connsiteY0" fmla="*/ 13063 h 824691"/>
+                <a:gd name="connsiteX1" fmla="*/ 0 w 8636609"/>
+                <a:gd name="connsiteY1" fmla="*/ 824691 h 824691"/>
+                <a:gd name="connsiteX2" fmla="*/ 4181155 w 8636609"/>
+                <a:gd name="connsiteY2" fmla="*/ 713937 h 824691"/>
+                <a:gd name="connsiteX3" fmla="*/ 8636609 w 8636609"/>
+                <a:gd name="connsiteY3" fmla="*/ 640080 h 824691"/>
+                <a:gd name="connsiteX4" fmla="*/ 8623546 w 8636609"/>
+                <a:gd name="connsiteY4" fmla="*/ 0 h 824691"/>
+                <a:gd name="connsiteX5" fmla="*/ 132689 w 8636609"/>
+                <a:gd name="connsiteY5" fmla="*/ 13063 h 824691"/>
+                <a:gd name="connsiteX0" fmla="*/ 132689 w 8636609"/>
+                <a:gd name="connsiteY0" fmla="*/ 13063 h 824691"/>
+                <a:gd name="connsiteX1" fmla="*/ 0 w 8636609"/>
+                <a:gd name="connsiteY1" fmla="*/ 824691 h 824691"/>
+                <a:gd name="connsiteX2" fmla="*/ 4181155 w 8636609"/>
+                <a:gd name="connsiteY2" fmla="*/ 713937 h 824691"/>
+                <a:gd name="connsiteX3" fmla="*/ 8636609 w 8636609"/>
+                <a:gd name="connsiteY3" fmla="*/ 572086 h 824691"/>
+                <a:gd name="connsiteX4" fmla="*/ 8623546 w 8636609"/>
+                <a:gd name="connsiteY4" fmla="*/ 0 h 824691"/>
+                <a:gd name="connsiteX5" fmla="*/ 132689 w 8636609"/>
+                <a:gd name="connsiteY5" fmla="*/ 13063 h 824691"/>
+                <a:gd name="connsiteX0" fmla="*/ 132689 w 8636609"/>
+                <a:gd name="connsiteY0" fmla="*/ 13063 h 824691"/>
+                <a:gd name="connsiteX1" fmla="*/ 0 w 8636609"/>
+                <a:gd name="connsiteY1" fmla="*/ 824691 h 824691"/>
+                <a:gd name="connsiteX2" fmla="*/ 4181155 w 8636609"/>
+                <a:gd name="connsiteY2" fmla="*/ 679940 h 824691"/>
+                <a:gd name="connsiteX3" fmla="*/ 8636609 w 8636609"/>
+                <a:gd name="connsiteY3" fmla="*/ 572086 h 824691"/>
+                <a:gd name="connsiteX4" fmla="*/ 8623546 w 8636609"/>
+                <a:gd name="connsiteY4" fmla="*/ 0 h 824691"/>
+                <a:gd name="connsiteX5" fmla="*/ 132689 w 8636609"/>
+                <a:gd name="connsiteY5" fmla="*/ 13063 h 824691"/>
+                <a:gd name="connsiteX0" fmla="*/ 209008 w 8636609"/>
+                <a:gd name="connsiteY0" fmla="*/ 13063 h 824691"/>
+                <a:gd name="connsiteX1" fmla="*/ 0 w 8636609"/>
+                <a:gd name="connsiteY1" fmla="*/ 824691 h 824691"/>
+                <a:gd name="connsiteX2" fmla="*/ 4181155 w 8636609"/>
+                <a:gd name="connsiteY2" fmla="*/ 679940 h 824691"/>
+                <a:gd name="connsiteX3" fmla="*/ 8636609 w 8636609"/>
+                <a:gd name="connsiteY3" fmla="*/ 572086 h 824691"/>
+                <a:gd name="connsiteX4" fmla="*/ 8623546 w 8636609"/>
+                <a:gd name="connsiteY4" fmla="*/ 0 h 824691"/>
+                <a:gd name="connsiteX5" fmla="*/ 209008 w 8636609"/>
+                <a:gd name="connsiteY5" fmla="*/ 13063 h 824691"/>
+                <a:gd name="connsiteX0" fmla="*/ 132691 w 8560292"/>
+                <a:gd name="connsiteY0" fmla="*/ 13063 h 802026"/>
+                <a:gd name="connsiteX1" fmla="*/ 0 w 8560292"/>
+                <a:gd name="connsiteY1" fmla="*/ 802026 h 802026"/>
+                <a:gd name="connsiteX2" fmla="*/ 4104838 w 8560292"/>
+                <a:gd name="connsiteY2" fmla="*/ 679940 h 802026"/>
+                <a:gd name="connsiteX3" fmla="*/ 8560292 w 8560292"/>
+                <a:gd name="connsiteY3" fmla="*/ 572086 h 802026"/>
+                <a:gd name="connsiteX4" fmla="*/ 8547229 w 8560292"/>
+                <a:gd name="connsiteY4" fmla="*/ 0 h 802026"/>
+                <a:gd name="connsiteX5" fmla="*/ 132691 w 8560292"/>
+                <a:gd name="connsiteY5" fmla="*/ 13063 h 802026"/>
+                <a:gd name="connsiteX0" fmla="*/ 132691 w 8560292"/>
+                <a:gd name="connsiteY0" fmla="*/ 13063 h 802026"/>
+                <a:gd name="connsiteX1" fmla="*/ 0 w 8560292"/>
+                <a:gd name="connsiteY1" fmla="*/ 802026 h 802026"/>
+                <a:gd name="connsiteX2" fmla="*/ 4104838 w 8560292"/>
+                <a:gd name="connsiteY2" fmla="*/ 679940 h 802026"/>
+                <a:gd name="connsiteX3" fmla="*/ 8560292 w 8560292"/>
+                <a:gd name="connsiteY3" fmla="*/ 572086 h 802026"/>
+                <a:gd name="connsiteX4" fmla="*/ 8547229 w 8560292"/>
+                <a:gd name="connsiteY4" fmla="*/ 0 h 802026"/>
+                <a:gd name="connsiteX5" fmla="*/ 132691 w 8560292"/>
+                <a:gd name="connsiteY5" fmla="*/ 13063 h 802026"/>
+                <a:gd name="connsiteX0" fmla="*/ 132691 w 8560292"/>
+                <a:gd name="connsiteY0" fmla="*/ 13063 h 802026"/>
+                <a:gd name="connsiteX1" fmla="*/ 0 w 8560292"/>
+                <a:gd name="connsiteY1" fmla="*/ 802026 h 802026"/>
+                <a:gd name="connsiteX2" fmla="*/ 4104838 w 8560292"/>
+                <a:gd name="connsiteY2" fmla="*/ 623278 h 802026"/>
+                <a:gd name="connsiteX3" fmla="*/ 8560292 w 8560292"/>
+                <a:gd name="connsiteY3" fmla="*/ 572086 h 802026"/>
+                <a:gd name="connsiteX4" fmla="*/ 8547229 w 8560292"/>
+                <a:gd name="connsiteY4" fmla="*/ 0 h 802026"/>
+                <a:gd name="connsiteX5" fmla="*/ 132691 w 8560292"/>
+                <a:gd name="connsiteY5" fmla="*/ 13063 h 802026"/>
+                <a:gd name="connsiteX0" fmla="*/ 132691 w 8560292"/>
+                <a:gd name="connsiteY0" fmla="*/ 13063 h 768029"/>
+                <a:gd name="connsiteX1" fmla="*/ 0 w 8560292"/>
+                <a:gd name="connsiteY1" fmla="*/ 768029 h 768029"/>
+                <a:gd name="connsiteX2" fmla="*/ 4104838 w 8560292"/>
+                <a:gd name="connsiteY2" fmla="*/ 623278 h 768029"/>
+                <a:gd name="connsiteX3" fmla="*/ 8560292 w 8560292"/>
+                <a:gd name="connsiteY3" fmla="*/ 572086 h 768029"/>
+                <a:gd name="connsiteX4" fmla="*/ 8547229 w 8560292"/>
+                <a:gd name="connsiteY4" fmla="*/ 0 h 768029"/>
+                <a:gd name="connsiteX5" fmla="*/ 132691 w 8560292"/>
+                <a:gd name="connsiteY5" fmla="*/ 13063 h 768029"/>
+                <a:gd name="connsiteX0" fmla="*/ 132691 w 8560292"/>
+                <a:gd name="connsiteY0" fmla="*/ 13063 h 768029"/>
+                <a:gd name="connsiteX1" fmla="*/ 0 w 8560292"/>
+                <a:gd name="connsiteY1" fmla="*/ 768029 h 768029"/>
+                <a:gd name="connsiteX2" fmla="*/ 4104838 w 8560292"/>
+                <a:gd name="connsiteY2" fmla="*/ 623278 h 768029"/>
+                <a:gd name="connsiteX3" fmla="*/ 8560292 w 8560292"/>
+                <a:gd name="connsiteY3" fmla="*/ 470095 h 768029"/>
+                <a:gd name="connsiteX4" fmla="*/ 8547229 w 8560292"/>
+                <a:gd name="connsiteY4" fmla="*/ 0 h 768029"/>
+                <a:gd name="connsiteX5" fmla="*/ 132691 w 8560292"/>
+                <a:gd name="connsiteY5" fmla="*/ 13063 h 768029"/>
+                <a:gd name="connsiteX0" fmla="*/ 132691 w 8573012"/>
+                <a:gd name="connsiteY0" fmla="*/ 13063 h 768029"/>
+                <a:gd name="connsiteX1" fmla="*/ 0 w 8573012"/>
+                <a:gd name="connsiteY1" fmla="*/ 768029 h 768029"/>
+                <a:gd name="connsiteX2" fmla="*/ 4104838 w 8573012"/>
+                <a:gd name="connsiteY2" fmla="*/ 623278 h 768029"/>
+                <a:gd name="connsiteX3" fmla="*/ 8573012 w 8573012"/>
+                <a:gd name="connsiteY3" fmla="*/ 504092 h 768029"/>
+                <a:gd name="connsiteX4" fmla="*/ 8547229 w 8573012"/>
+                <a:gd name="connsiteY4" fmla="*/ 0 h 768029"/>
+                <a:gd name="connsiteX5" fmla="*/ 132691 w 8573012"/>
+                <a:gd name="connsiteY5" fmla="*/ 13063 h 768029"/>
+                <a:gd name="connsiteX0" fmla="*/ 132691 w 8573012"/>
+                <a:gd name="connsiteY0" fmla="*/ 13063 h 768029"/>
+                <a:gd name="connsiteX1" fmla="*/ 0 w 8573012"/>
+                <a:gd name="connsiteY1" fmla="*/ 768029 h 768029"/>
+                <a:gd name="connsiteX2" fmla="*/ 4104838 w 8573012"/>
+                <a:gd name="connsiteY2" fmla="*/ 623278 h 768029"/>
+                <a:gd name="connsiteX3" fmla="*/ 8573012 w 8573012"/>
+                <a:gd name="connsiteY3" fmla="*/ 549421 h 768029"/>
+                <a:gd name="connsiteX4" fmla="*/ 8547229 w 8573012"/>
+                <a:gd name="connsiteY4" fmla="*/ 0 h 768029"/>
+                <a:gd name="connsiteX5" fmla="*/ 132691 w 8573012"/>
+                <a:gd name="connsiteY5" fmla="*/ 13063 h 768029"/>
+                <a:gd name="connsiteX0" fmla="*/ 183569 w 8573012"/>
+                <a:gd name="connsiteY0" fmla="*/ 0 h 811627"/>
+                <a:gd name="connsiteX1" fmla="*/ 0 w 8573012"/>
+                <a:gd name="connsiteY1" fmla="*/ 811627 h 811627"/>
+                <a:gd name="connsiteX2" fmla="*/ 4104838 w 8573012"/>
+                <a:gd name="connsiteY2" fmla="*/ 666876 h 811627"/>
+                <a:gd name="connsiteX3" fmla="*/ 8573012 w 8573012"/>
+                <a:gd name="connsiteY3" fmla="*/ 593019 h 811627"/>
+                <a:gd name="connsiteX4" fmla="*/ 8547229 w 8573012"/>
+                <a:gd name="connsiteY4" fmla="*/ 43598 h 811627"/>
+                <a:gd name="connsiteX5" fmla="*/ 183569 w 8573012"/>
+                <a:gd name="connsiteY5" fmla="*/ 0 h 811627"/>
+                <a:gd name="connsiteX0" fmla="*/ 145411 w 8573012"/>
+                <a:gd name="connsiteY0" fmla="*/ 0 h 845623"/>
+                <a:gd name="connsiteX1" fmla="*/ 0 w 8573012"/>
+                <a:gd name="connsiteY1" fmla="*/ 845623 h 845623"/>
+                <a:gd name="connsiteX2" fmla="*/ 4104838 w 8573012"/>
+                <a:gd name="connsiteY2" fmla="*/ 700872 h 845623"/>
+                <a:gd name="connsiteX3" fmla="*/ 8573012 w 8573012"/>
+                <a:gd name="connsiteY3" fmla="*/ 627015 h 845623"/>
+                <a:gd name="connsiteX4" fmla="*/ 8547229 w 8573012"/>
+                <a:gd name="connsiteY4" fmla="*/ 77594 h 845623"/>
+                <a:gd name="connsiteX5" fmla="*/ 145411 w 8573012"/>
+                <a:gd name="connsiteY5" fmla="*/ 0 h 845623"/>
+                <a:gd name="connsiteX0" fmla="*/ 145411 w 8573012"/>
+                <a:gd name="connsiteY0" fmla="*/ 0 h 800294"/>
+                <a:gd name="connsiteX1" fmla="*/ 0 w 8573012"/>
+                <a:gd name="connsiteY1" fmla="*/ 800294 h 800294"/>
+                <a:gd name="connsiteX2" fmla="*/ 4104838 w 8573012"/>
+                <a:gd name="connsiteY2" fmla="*/ 655543 h 800294"/>
+                <a:gd name="connsiteX3" fmla="*/ 8573012 w 8573012"/>
+                <a:gd name="connsiteY3" fmla="*/ 581686 h 800294"/>
+                <a:gd name="connsiteX4" fmla="*/ 8547229 w 8573012"/>
+                <a:gd name="connsiteY4" fmla="*/ 32265 h 800294"/>
+                <a:gd name="connsiteX5" fmla="*/ 145411 w 8573012"/>
+                <a:gd name="connsiteY5" fmla="*/ 0 h 800294"/>
+              </a:gdLst>
+              <a:ahLst/>
+              <a:cxnLst>
+                <a:cxn ang="0">
+                  <a:pos x="connsiteX0" y="connsiteY0"/>
+                </a:cxn>
+                <a:cxn ang="0">
+                  <a:pos x="connsiteX1" y="connsiteY1"/>
+                </a:cxn>
+                <a:cxn ang="0">
+                  <a:pos x="connsiteX2" y="connsiteY2"/>
+                </a:cxn>
+                <a:cxn ang="0">
+                  <a:pos x="connsiteX3" y="connsiteY3"/>
+                </a:cxn>
+                <a:cxn ang="0">
+                  <a:pos x="connsiteX4" y="connsiteY4"/>
+                </a:cxn>
+                <a:cxn ang="0">
+                  <a:pos x="connsiteX5" y="connsiteY5"/>
+                </a:cxn>
+              </a:cxnLst>
+              <a:rect l="l" t="t" r="r" b="b"/>
+              <a:pathLst>
+                <a:path w="8573012" h="800294">
+                  <a:moveTo>
+                    <a:pt x="145411" y="0"/>
+                  </a:moveTo>
+                  <a:lnTo>
+                    <a:pt x="0" y="800294"/>
+                  </a:lnTo>
+                  <a:cubicBezTo>
+                    <a:pt x="761662" y="758453"/>
+                    <a:pt x="2676003" y="691978"/>
+                    <a:pt x="4104838" y="655543"/>
+                  </a:cubicBezTo>
+                  <a:lnTo>
+                    <a:pt x="8573012" y="581686"/>
+                  </a:lnTo>
+                  <a:lnTo>
+                    <a:pt x="8547229" y="32265"/>
+                  </a:lnTo>
+                  <a:lnTo>
+                    <a:pt x="145411" y="0"/>
+                  </a:lnTo>
+                  <a:close/>
+                </a:path>
+              </a:pathLst>
+            </a:custGeom>
+            <a:solidFill>
+              <a:schemeClr val="tx1">
+                <a:alpha val="55000"/>
+              </a:schemeClr>
+            </a:solidFill>
+            <a:ln>
+              <a:noFill/>
+            </a:ln>
+            <a:effectLst>
+              <a:softEdge rad="190500"/>
+            </a:effectLst>
+          </p:spPr>
+          <p:style>
+            <a:lnRef idx="2">
+              <a:schemeClr val="accent1">
+                <a:shade val="50000"/>
+              </a:schemeClr>
+            </a:lnRef>
+            <a:fillRef idx="1">
+              <a:schemeClr val="accent1"/>
+            </a:fillRef>
+            <a:effectRef idx="0">
+              <a:schemeClr val="accent1"/>
+            </a:effectRef>
+            <a:fontRef idx="minor">
+              <a:schemeClr val="lt1"/>
+            </a:fontRef>
+          </p:style>
+          <p:txBody>
+            <a:bodyPr rtlCol="0" anchor="ctr"/>
+            <a:lstStyle/>
+            <a:p>
+              <a:pPr algn="ctr"/>
+              <a:endParaRPr lang="en-US"/>
+            </a:p>
+          </p:txBody>
+        </p:sp>
+        <p:sp>
+          <p:nvSpPr>
+            <p:cNvPr id="6" name="Rectangle 5"/>
+            <p:cNvSpPr/>
+            <p:nvPr/>
+          </p:nvSpPr>
+          <p:spPr>
+            <a:xfrm>
+              <a:off x="438602" y="3986168"/>
+              <a:ext cx="8525886" cy="640842"/>
+            </a:xfrm>
+            <a:custGeom>
+              <a:avLst/>
+              <a:gdLst>
+                <a:gd name="connsiteX0" fmla="*/ 0 w 8512822"/>
+                <a:gd name="connsiteY0" fmla="*/ 0 h 553628"/>
+                <a:gd name="connsiteX1" fmla="*/ 8512822 w 8512822"/>
+                <a:gd name="connsiteY1" fmla="*/ 0 h 553628"/>
+                <a:gd name="connsiteX2" fmla="*/ 8512822 w 8512822"/>
+                <a:gd name="connsiteY2" fmla="*/ 553628 h 553628"/>
+                <a:gd name="connsiteX3" fmla="*/ 0 w 8512822"/>
+                <a:gd name="connsiteY3" fmla="*/ 553628 h 553628"/>
+                <a:gd name="connsiteX4" fmla="*/ 0 w 8512822"/>
+                <a:gd name="connsiteY4" fmla="*/ 0 h 553628"/>
+                <a:gd name="connsiteX0" fmla="*/ 0 w 8512822"/>
+                <a:gd name="connsiteY0" fmla="*/ 0 h 553628"/>
+                <a:gd name="connsiteX1" fmla="*/ 8512822 w 8512822"/>
+                <a:gd name="connsiteY1" fmla="*/ 0 h 553628"/>
+                <a:gd name="connsiteX2" fmla="*/ 8512822 w 8512822"/>
+                <a:gd name="connsiteY2" fmla="*/ 553628 h 553628"/>
+                <a:gd name="connsiteX3" fmla="*/ 0 w 8512822"/>
+                <a:gd name="connsiteY3" fmla="*/ 501376 h 553628"/>
+                <a:gd name="connsiteX4" fmla="*/ 0 w 8512822"/>
+                <a:gd name="connsiteY4" fmla="*/ 0 h 553628"/>
+                <a:gd name="connsiteX0" fmla="*/ 39188 w 8512822"/>
+                <a:gd name="connsiteY0" fmla="*/ 0 h 553628"/>
+                <a:gd name="connsiteX1" fmla="*/ 8512822 w 8512822"/>
+                <a:gd name="connsiteY1" fmla="*/ 0 h 553628"/>
+                <a:gd name="connsiteX2" fmla="*/ 8512822 w 8512822"/>
+                <a:gd name="connsiteY2" fmla="*/ 553628 h 553628"/>
+                <a:gd name="connsiteX3" fmla="*/ 0 w 8512822"/>
+                <a:gd name="connsiteY3" fmla="*/ 501376 h 553628"/>
+                <a:gd name="connsiteX4" fmla="*/ 39188 w 8512822"/>
+                <a:gd name="connsiteY4" fmla="*/ 0 h 553628"/>
+                <a:gd name="connsiteX0" fmla="*/ 0 w 8525886"/>
+                <a:gd name="connsiteY0" fmla="*/ 0 h 553628"/>
+                <a:gd name="connsiteX1" fmla="*/ 8525886 w 8525886"/>
+                <a:gd name="connsiteY1" fmla="*/ 0 h 553628"/>
+                <a:gd name="connsiteX2" fmla="*/ 8525886 w 8525886"/>
+                <a:gd name="connsiteY2" fmla="*/ 553628 h 553628"/>
+                <a:gd name="connsiteX3" fmla="*/ 13064 w 8525886"/>
+                <a:gd name="connsiteY3" fmla="*/ 501376 h 553628"/>
+                <a:gd name="connsiteX4" fmla="*/ 0 w 8525886"/>
+                <a:gd name="connsiteY4" fmla="*/ 0 h 553628"/>
+              </a:gdLst>
+              <a:ahLst/>
+              <a:cxnLst>
+                <a:cxn ang="0">
+                  <a:pos x="connsiteX0" y="connsiteY0"/>
+                </a:cxn>
+                <a:cxn ang="0">
+                  <a:pos x="connsiteX1" y="connsiteY1"/>
+                </a:cxn>
+                <a:cxn ang="0">
+                  <a:pos x="connsiteX2" y="connsiteY2"/>
+                </a:cxn>
+                <a:cxn ang="0">
+                  <a:pos x="connsiteX3" y="connsiteY3"/>
+                </a:cxn>
+                <a:cxn ang="0">
+                  <a:pos x="connsiteX4" y="connsiteY4"/>
+                </a:cxn>
+              </a:cxnLst>
+              <a:rect l="l" t="t" r="r" b="b"/>
+              <a:pathLst>
+                <a:path w="8525886" h="553628">
+                  <a:moveTo>
+                    <a:pt x="0" y="0"/>
+                  </a:moveTo>
+                  <a:lnTo>
+                    <a:pt x="8525886" y="0"/>
+                  </a:lnTo>
+                  <a:lnTo>
+                    <a:pt x="8525886" y="553628"/>
+                  </a:lnTo>
+                  <a:lnTo>
+                    <a:pt x="13064" y="501376"/>
+                  </a:lnTo>
+                  <a:lnTo>
+                    <a:pt x="0" y="0"/>
+                  </a:lnTo>
+                  <a:close/>
+                </a:path>
+              </a:pathLst>
+            </a:custGeom>
+            <a:solidFill>
+              <a:schemeClr val="bg1"/>
+            </a:solidFill>
+            <a:ln>
+              <a:noFill/>
+            </a:ln>
+          </p:spPr>
+          <p:style>
+            <a:lnRef idx="2">
+              <a:schemeClr val="accent1">
+                <a:shade val="50000"/>
+              </a:schemeClr>
+            </a:lnRef>
+            <a:fillRef idx="1">
+              <a:schemeClr val="accent1"/>
+            </a:fillRef>
+            <a:effectRef idx="0">
+              <a:schemeClr val="accent1"/>
+            </a:effectRef>
+            <a:fontRef idx="minor">
+              <a:schemeClr val="lt1"/>
+            </a:fontRef>
+          </p:style>
+          <p:txBody>
+            <a:bodyPr rtlCol="0" anchor="ctr"/>
+            <a:lstStyle/>
+            <a:p>
+              <a:pPr algn="ctr"/>
+              <a:endParaRPr lang="en-SG"/>
+            </a:p>
+          </p:txBody>
+        </p:sp>
+      </p:grpSp>
+      <p:pic>
+        <p:nvPicPr>
+          <p:cNvPr id="1029" name="Picture 5"/>
+          <p:cNvPicPr>
+            <a:picLocks noChangeAspect="1" noChangeArrowheads="1"/>
+          </p:cNvPicPr>
+          <p:nvPr/>
+        </p:nvPicPr>
+        <p:blipFill>
+          <a:blip r:embed="rId2">
+            <a:extLst>
+              <a:ext uri="{28A0092B-C50C-407E-A947-70E740481C1C}">
+                <a14:useLocalDpi xmlns:a14="http://schemas.microsoft.com/office/drawing/2010/main" val="0"/>
+              </a:ext>
+            </a:extLst>
+          </a:blip>
+          <a:srcRect/>
+          <a:stretch>
+            <a:fillRect/>
+          </a:stretch>
+        </p:blipFill>
+        <p:spPr bwMode="auto">
+          <a:xfrm>
+            <a:off x="181952" y="2093595"/>
+            <a:ext cx="8802687" cy="920750"/>
+          </a:xfrm>
+          <a:prstGeom prst="rect">
+            <a:avLst/>
+          </a:prstGeom>
+          <a:noFill/>
+          <a:ln>
+            <a:noFill/>
+          </a:ln>
+          <a:effectLst/>
+          <a:extLst>
+            <a:ext uri="{909E8E84-426E-40DD-AFC4-6F175D3DCCD1}">
+              <a14:hiddenFill xmlns:a14="http://schemas.microsoft.com/office/drawing/2010/main">
+                <a:solidFill>
+                  <a:schemeClr val="accent1"/>
+                </a:solidFill>
+              </a14:hiddenFill>
+            </a:ext>
+            <a:ext uri="{91240B29-F687-4F45-9708-019B960494DF}">
+              <a14:hiddenLine xmlns:a14="http://schemas.microsoft.com/office/drawing/2010/main" w="9525">
+                <a:solidFill>
+                  <a:schemeClr val="tx1"/>
+                </a:solidFill>
+                <a:miter lim="800000"/>
+                <a:headEnd/>
+                <a:tailEnd/>
+              </a14:hiddenLine>
+            </a:ext>
+            <a:ext uri="{AF507438-7753-43E0-B8FC-AC1667EBCBE1}">
+              <a14:hiddenEffects xmlns:a14="http://schemas.microsoft.com/office/drawing/2010/main">
+                <a:effectLst>
+                  <a:outerShdw dist="35921" dir="2700000" algn="ctr" rotWithShape="0">
+                    <a:schemeClr val="bg2"/>
+                  </a:outerShdw>
+                </a:effectLst>
+              </a14:hiddenEffects>
+            </a:ext>
+          </a:extLst>
+        </p:spPr>
+      </p:pic>
+    </p:spTree>
+    <p:extLst>
+      <p:ext uri="{BB962C8B-B14F-4D97-AF65-F5344CB8AC3E}">
+        <p14:creationId xmlns:p14="http://schemas.microsoft.com/office/powerpoint/2010/main" val="411326622"/>
+      </p:ext>
+    </p:extLst>
+  </p:cSld>
+  <p:clrMapOvr>
+    <a:masterClrMapping/>
+  </p:clrMapOvr>
+  <p:timing>
+    <p:tnLst>
+      <p:par>
+        <p:cTn id="1" dur="indefinite" restart="never" nodeType="tmRoot"/>
+      </p:par>
+    </p:tnLst>
+  </p:timing>
+</p:sld>
+</file>
+
 <file path=ppt/theme/theme1.xml><?xml version="1.0" encoding="utf-8"?>
 <a:theme xmlns:a="http://schemas.openxmlformats.org/drawingml/2006/main" name="Office Theme">
   <a:themeElements>
